--- a/microsoft-365/enterprise/media/empower-people-to-work-remotely/Empower-Remote-Workers-Poster.pptx
+++ b/microsoft-365/enterprise/media/empower-people-to-work-remotely/Empower-Remote-Workers-Poster.pptx
@@ -214,7 +214,7 @@
           <a:p>
             <a:fld id="{F6718B09-A5BF-4500-B7D0-AD2FFA08E103}" type="datetimeFigureOut">
               <a:rPr lang="en-US" smtClean="0"/>
-              <a:t>10/23/2019</a:t>
+              <a:t>10/30/2019</a:t>
             </a:fld>
             <a:endParaRPr lang="en-US" dirty="0"/>
           </a:p>
@@ -610,7 +610,7 @@
           <a:p>
             <a:fld id="{B12B58C5-0F7F-4864-91DB-0DCB63F031BB}" type="datetimeFigureOut">
               <a:rPr lang="en-US" smtClean="0"/>
-              <a:t>10/23/2019</a:t>
+              <a:t>10/30/2019</a:t>
             </a:fld>
             <a:endParaRPr lang="en-US" dirty="0"/>
           </a:p>
@@ -778,7 +778,7 @@
           <a:p>
             <a:fld id="{B12B58C5-0F7F-4864-91DB-0DCB63F031BB}" type="datetimeFigureOut">
               <a:rPr lang="en-US" smtClean="0"/>
-              <a:t>10/23/2019</a:t>
+              <a:t>10/30/2019</a:t>
             </a:fld>
             <a:endParaRPr lang="en-US" dirty="0"/>
           </a:p>
@@ -956,7 +956,7 @@
           <a:p>
             <a:fld id="{B12B58C5-0F7F-4864-91DB-0DCB63F031BB}" type="datetimeFigureOut">
               <a:rPr lang="en-US" smtClean="0"/>
-              <a:t>10/23/2019</a:t>
+              <a:t>10/30/2019</a:t>
             </a:fld>
             <a:endParaRPr lang="en-US" dirty="0"/>
           </a:p>
@@ -1124,7 +1124,7 @@
           <a:p>
             <a:fld id="{B12B58C5-0F7F-4864-91DB-0DCB63F031BB}" type="datetimeFigureOut">
               <a:rPr lang="en-US" smtClean="0"/>
-              <a:t>10/23/2019</a:t>
+              <a:t>10/30/2019</a:t>
             </a:fld>
             <a:endParaRPr lang="en-US" dirty="0"/>
           </a:p>
@@ -1367,7 +1367,7 @@
           <a:p>
             <a:fld id="{B12B58C5-0F7F-4864-91DB-0DCB63F031BB}" type="datetimeFigureOut">
               <a:rPr lang="en-US" smtClean="0"/>
-              <a:t>10/23/2019</a:t>
+              <a:t>10/30/2019</a:t>
             </a:fld>
             <a:endParaRPr lang="en-US" dirty="0"/>
           </a:p>
@@ -1596,7 +1596,7 @@
           <a:p>
             <a:fld id="{B12B58C5-0F7F-4864-91DB-0DCB63F031BB}" type="datetimeFigureOut">
               <a:rPr lang="en-US" smtClean="0"/>
-              <a:t>10/23/2019</a:t>
+              <a:t>10/30/2019</a:t>
             </a:fld>
             <a:endParaRPr lang="en-US" dirty="0"/>
           </a:p>
@@ -1960,7 +1960,7 @@
           <a:p>
             <a:fld id="{B12B58C5-0F7F-4864-91DB-0DCB63F031BB}" type="datetimeFigureOut">
               <a:rPr lang="en-US" smtClean="0"/>
-              <a:t>10/23/2019</a:t>
+              <a:t>10/30/2019</a:t>
             </a:fld>
             <a:endParaRPr lang="en-US" dirty="0"/>
           </a:p>
@@ -2077,7 +2077,7 @@
           <a:p>
             <a:fld id="{B12B58C5-0F7F-4864-91DB-0DCB63F031BB}" type="datetimeFigureOut">
               <a:rPr lang="en-US" smtClean="0"/>
-              <a:t>10/23/2019</a:t>
+              <a:t>10/30/2019</a:t>
             </a:fld>
             <a:endParaRPr lang="en-US" dirty="0"/>
           </a:p>
@@ -2172,7 +2172,7 @@
           <a:p>
             <a:fld id="{B12B58C5-0F7F-4864-91DB-0DCB63F031BB}" type="datetimeFigureOut">
               <a:rPr lang="en-US" smtClean="0"/>
-              <a:t>10/23/2019</a:t>
+              <a:t>10/30/2019</a:t>
             </a:fld>
             <a:endParaRPr lang="en-US" dirty="0"/>
           </a:p>
@@ -2447,7 +2447,7 @@
           <a:p>
             <a:fld id="{B12B58C5-0F7F-4864-91DB-0DCB63F031BB}" type="datetimeFigureOut">
               <a:rPr lang="en-US" smtClean="0"/>
-              <a:t>10/23/2019</a:t>
+              <a:t>10/30/2019</a:t>
             </a:fld>
             <a:endParaRPr lang="en-US" dirty="0"/>
           </a:p>
@@ -2702,7 +2702,7 @@
           <a:p>
             <a:fld id="{B12B58C5-0F7F-4864-91DB-0DCB63F031BB}" type="datetimeFigureOut">
               <a:rPr lang="en-US" smtClean="0"/>
-              <a:t>10/23/2019</a:t>
+              <a:t>10/30/2019</a:t>
             </a:fld>
             <a:endParaRPr lang="en-US" dirty="0"/>
           </a:p>
@@ -2913,7 +2913,7 @@
           <a:p>
             <a:fld id="{B12B58C5-0F7F-4864-91DB-0DCB63F031BB}" type="datetimeFigureOut">
               <a:rPr lang="en-US" smtClean="0"/>
-              <a:t>10/23/2019</a:t>
+              <a:t>10/30/2019</a:t>
             </a:fld>
             <a:endParaRPr lang="en-US" dirty="0"/>
           </a:p>
@@ -18026,7 +18026,7 @@
               <a:rPr lang="en-US">
                 <a:latin typeface="Segoe UI Light" pitchFamily="34" charset="0"/>
               </a:rPr>
-              <a:t>Azure  AD</a:t>
+              <a:t>Azure AD</a:t>
             </a:r>
             <a:endParaRPr lang="en-US" dirty="0">
               <a:latin typeface="Segoe UI Light" pitchFamily="34" charset="0"/>

--- a/microsoft-365/enterprise/media/empower-people-to-work-remotely/Empower-Remote-Workers-Poster.pptx
+++ b/microsoft-365/enterprise/media/empower-people-to-work-remotely/Empower-Remote-Workers-Poster.pptx
@@ -214,7 +214,7 @@
           <a:p>
             <a:fld id="{F6718B09-A5BF-4500-B7D0-AD2FFA08E103}" type="datetimeFigureOut">
               <a:rPr lang="en-US" smtClean="0"/>
-              <a:t>10/30/2019</a:t>
+              <a:t>11/15/2019</a:t>
             </a:fld>
             <a:endParaRPr lang="en-US" dirty="0"/>
           </a:p>
@@ -481,6 +481,98 @@
 </p:notesMaster>
 </file>
 
+<file path=ppt/notesSlides/notesSlide1.xml><?xml version="1.0" encoding="utf-8"?>
+<p:notes xmlns:a="http://schemas.openxmlformats.org/drawingml/2006/main" xmlns:r="http://schemas.openxmlformats.org/officeDocument/2006/relationships" xmlns:p="http://schemas.openxmlformats.org/presentationml/2006/main">
+  <p:cSld>
+    <p:spTree>
+      <p:nvGrpSpPr>
+        <p:cNvPr id="1" name=""/>
+        <p:cNvGrpSpPr/>
+        <p:nvPr/>
+      </p:nvGrpSpPr>
+      <p:grpSpPr>
+        <a:xfrm>
+          <a:off x="0" y="0"/>
+          <a:ext cx="0" cy="0"/>
+          <a:chOff x="0" y="0"/>
+          <a:chExt cx="0" cy="0"/>
+        </a:xfrm>
+      </p:grpSpPr>
+      <p:sp>
+        <p:nvSpPr>
+          <p:cNvPr id="2" name="Slide Image Placeholder 1"/>
+          <p:cNvSpPr>
+            <a:spLocks noGrp="1" noRot="1" noChangeAspect="1"/>
+          </p:cNvSpPr>
+          <p:nvPr>
+            <p:ph type="sldImg"/>
+          </p:nvPr>
+        </p:nvSpPr>
+        <p:spPr/>
+      </p:sp>
+      <p:sp>
+        <p:nvSpPr>
+          <p:cNvPr id="3" name="Notes Placeholder 2"/>
+          <p:cNvSpPr>
+            <a:spLocks noGrp="1"/>
+          </p:cNvSpPr>
+          <p:nvPr>
+            <p:ph type="body" idx="1"/>
+          </p:nvPr>
+        </p:nvSpPr>
+        <p:spPr/>
+        <p:txBody>
+          <a:bodyPr/>
+          <a:lstStyle/>
+          <a:p>
+            <a:r>
+              <a:rPr lang="en-US" sz="1800">
+                <a:effectLst/>
+                <a:latin typeface="Calibri" panose="020F0502020204030204" pitchFamily="34" charset="0"/>
+                <a:ea typeface="Calibri" panose="020F0502020204030204" pitchFamily="34" charset="0"/>
+              </a:rPr>
+              <a:t>To extend the graphics in this poster to include additional Office symbols sorted by category, see the 2019_PowerPoint_ArtTemplate.pptx file in the “2019_OfficeContent_ArtandPosterTemplates” download at https://go.microsoft.com/fwlink/?linkid=2056186.</a:t>
+            </a:r>
+            <a:endParaRPr lang="en-US"/>
+          </a:p>
+        </p:txBody>
+      </p:sp>
+      <p:sp>
+        <p:nvSpPr>
+          <p:cNvPr id="4" name="Slide Number Placeholder 3"/>
+          <p:cNvSpPr>
+            <a:spLocks noGrp="1"/>
+          </p:cNvSpPr>
+          <p:nvPr>
+            <p:ph type="sldNum" sz="quarter" idx="5"/>
+          </p:nvPr>
+        </p:nvSpPr>
+        <p:spPr/>
+        <p:txBody>
+          <a:bodyPr/>
+          <a:lstStyle/>
+          <a:p>
+            <a:fld id="{1F109C2A-E6C8-455C-A2FB-FD9AA24EF3FC}" type="slidenum">
+              <a:rPr lang="en-US" smtClean="0"/>
+              <a:t>1</a:t>
+            </a:fld>
+            <a:endParaRPr lang="en-US" dirty="0"/>
+          </a:p>
+        </p:txBody>
+      </p:sp>
+    </p:spTree>
+    <p:extLst>
+      <p:ext uri="{BB962C8B-B14F-4D97-AF65-F5344CB8AC3E}">
+        <p14:creationId xmlns:p14="http://schemas.microsoft.com/office/powerpoint/2010/main" val="1150775423"/>
+      </p:ext>
+    </p:extLst>
+  </p:cSld>
+  <p:clrMapOvr>
+    <a:masterClrMapping/>
+  </p:clrMapOvr>
+</p:notes>
+</file>
+
 <file path=ppt/slideLayouts/slideLayout1.xml><?xml version="1.0" encoding="utf-8"?>
 <p:sldLayout xmlns:a="http://schemas.openxmlformats.org/drawingml/2006/main" xmlns:r="http://schemas.openxmlformats.org/officeDocument/2006/relationships" xmlns:p="http://schemas.openxmlformats.org/presentationml/2006/main" type="title" preserve="1">
   <p:cSld name="Title Slide">
@@ -610,7 +702,7 @@
           <a:p>
             <a:fld id="{B12B58C5-0F7F-4864-91DB-0DCB63F031BB}" type="datetimeFigureOut">
               <a:rPr lang="en-US" smtClean="0"/>
-              <a:t>10/30/2019</a:t>
+              <a:t>11/15/2019</a:t>
             </a:fld>
             <a:endParaRPr lang="en-US" dirty="0"/>
           </a:p>
@@ -778,7 +870,7 @@
           <a:p>
             <a:fld id="{B12B58C5-0F7F-4864-91DB-0DCB63F031BB}" type="datetimeFigureOut">
               <a:rPr lang="en-US" smtClean="0"/>
-              <a:t>10/30/2019</a:t>
+              <a:t>11/15/2019</a:t>
             </a:fld>
             <a:endParaRPr lang="en-US" dirty="0"/>
           </a:p>
@@ -956,7 +1048,7 @@
           <a:p>
             <a:fld id="{B12B58C5-0F7F-4864-91DB-0DCB63F031BB}" type="datetimeFigureOut">
               <a:rPr lang="en-US" smtClean="0"/>
-              <a:t>10/30/2019</a:t>
+              <a:t>11/15/2019</a:t>
             </a:fld>
             <a:endParaRPr lang="en-US" dirty="0"/>
           </a:p>
@@ -1124,7 +1216,7 @@
           <a:p>
             <a:fld id="{B12B58C5-0F7F-4864-91DB-0DCB63F031BB}" type="datetimeFigureOut">
               <a:rPr lang="en-US" smtClean="0"/>
-              <a:t>10/30/2019</a:t>
+              <a:t>11/15/2019</a:t>
             </a:fld>
             <a:endParaRPr lang="en-US" dirty="0"/>
           </a:p>
@@ -1367,7 +1459,7 @@
           <a:p>
             <a:fld id="{B12B58C5-0F7F-4864-91DB-0DCB63F031BB}" type="datetimeFigureOut">
               <a:rPr lang="en-US" smtClean="0"/>
-              <a:t>10/30/2019</a:t>
+              <a:t>11/15/2019</a:t>
             </a:fld>
             <a:endParaRPr lang="en-US" dirty="0"/>
           </a:p>
@@ -1596,7 +1688,7 @@
           <a:p>
             <a:fld id="{B12B58C5-0F7F-4864-91DB-0DCB63F031BB}" type="datetimeFigureOut">
               <a:rPr lang="en-US" smtClean="0"/>
-              <a:t>10/30/2019</a:t>
+              <a:t>11/15/2019</a:t>
             </a:fld>
             <a:endParaRPr lang="en-US" dirty="0"/>
           </a:p>
@@ -1960,7 +2052,7 @@
           <a:p>
             <a:fld id="{B12B58C5-0F7F-4864-91DB-0DCB63F031BB}" type="datetimeFigureOut">
               <a:rPr lang="en-US" smtClean="0"/>
-              <a:t>10/30/2019</a:t>
+              <a:t>11/15/2019</a:t>
             </a:fld>
             <a:endParaRPr lang="en-US" dirty="0"/>
           </a:p>
@@ -2077,7 +2169,7 @@
           <a:p>
             <a:fld id="{B12B58C5-0F7F-4864-91DB-0DCB63F031BB}" type="datetimeFigureOut">
               <a:rPr lang="en-US" smtClean="0"/>
-              <a:t>10/30/2019</a:t>
+              <a:t>11/15/2019</a:t>
             </a:fld>
             <a:endParaRPr lang="en-US" dirty="0"/>
           </a:p>
@@ -2172,7 +2264,7 @@
           <a:p>
             <a:fld id="{B12B58C5-0F7F-4864-91DB-0DCB63F031BB}" type="datetimeFigureOut">
               <a:rPr lang="en-US" smtClean="0"/>
-              <a:t>10/30/2019</a:t>
+              <a:t>11/15/2019</a:t>
             </a:fld>
             <a:endParaRPr lang="en-US" dirty="0"/>
           </a:p>
@@ -2447,7 +2539,7 @@
           <a:p>
             <a:fld id="{B12B58C5-0F7F-4864-91DB-0DCB63F031BB}" type="datetimeFigureOut">
               <a:rPr lang="en-US" smtClean="0"/>
-              <a:t>10/30/2019</a:t>
+              <a:t>11/15/2019</a:t>
             </a:fld>
             <a:endParaRPr lang="en-US" dirty="0"/>
           </a:p>
@@ -2702,7 +2794,7 @@
           <a:p>
             <a:fld id="{B12B58C5-0F7F-4864-91DB-0DCB63F031BB}" type="datetimeFigureOut">
               <a:rPr lang="en-US" smtClean="0"/>
-              <a:t>10/30/2019</a:t>
+              <a:t>11/15/2019</a:t>
             </a:fld>
             <a:endParaRPr lang="en-US" dirty="0"/>
           </a:p>
@@ -2913,7 +3005,7 @@
           <a:p>
             <a:fld id="{B12B58C5-0F7F-4864-91DB-0DCB63F031BB}" type="datetimeFigureOut">
               <a:rPr lang="en-US" smtClean="0"/>
-              <a:t>10/30/2019</a:t>
+              <a:t>11/15/2019</a:t>
             </a:fld>
             <a:endParaRPr lang="en-US" dirty="0"/>
           </a:p>
@@ -3375,7 +3467,7 @@
       <p:sp>
         <p:nvSpPr>
           <p:cNvPr id="15" name="Rectangle 14">
-            <a:hlinkClick r:id="rId2"/>
+            <a:hlinkClick r:id="rId3"/>
             <a:extLst>
               <a:ext uri="{FF2B5EF4-FFF2-40B4-BE49-F238E27FC236}">
                 <a16:creationId xmlns:a16="http://schemas.microsoft.com/office/drawing/2014/main" id="{98E9E9AC-E4C9-46E8-8CDD-F152FB685C5D}"/>
@@ -3471,7 +3563,7 @@
       <p:sp>
         <p:nvSpPr>
           <p:cNvPr id="23" name="Text Placeholder 3">
-            <a:hlinkClick r:id="rId2"/>
+            <a:hlinkClick r:id="rId3"/>
             <a:extLst>
               <a:ext uri="{FF2B5EF4-FFF2-40B4-BE49-F238E27FC236}">
                 <a16:creationId xmlns:a16="http://schemas.microsoft.com/office/drawing/2014/main" id="{DEBBF52F-E853-4F84-9AC3-756C2A9DF799}"/>
@@ -3620,7 +3712,7 @@
           <p:nvPr/>
         </p:nvPicPr>
         <p:blipFill>
-          <a:blip r:embed="rId3"/>
+          <a:blip r:embed="rId4"/>
           <a:stretch>
             <a:fillRect/>
           </a:stretch>
@@ -3760,7 +3852,7 @@
       <p:sp>
         <p:nvSpPr>
           <p:cNvPr id="369" name="TextBox 368">
-            <a:hlinkClick r:id="rId4"/>
+            <a:hlinkClick r:id="rId5"/>
             <a:extLst>
               <a:ext uri="{FF2B5EF4-FFF2-40B4-BE49-F238E27FC236}">
                 <a16:creationId xmlns:a16="http://schemas.microsoft.com/office/drawing/2014/main" id="{5EBCE756-ED23-4FD0-85AE-56D1C468B567}"/>
@@ -3806,7 +3898,7 @@
       <p:sp>
         <p:nvSpPr>
           <p:cNvPr id="367" name="TextBox 366">
-            <a:hlinkClick r:id="rId4"/>
+            <a:hlinkClick r:id="rId5"/>
             <a:extLst>
               <a:ext uri="{FF2B5EF4-FFF2-40B4-BE49-F238E27FC236}">
                 <a16:creationId xmlns:a16="http://schemas.microsoft.com/office/drawing/2014/main" id="{BA65E221-23A5-4F5A-BC07-B38A82FE8F42}"/>
@@ -3949,7 +4041,7 @@
       <p:sp>
         <p:nvSpPr>
           <p:cNvPr id="376" name="TextBox 375">
-            <a:hlinkClick r:id="rId5"/>
+            <a:hlinkClick r:id="rId6"/>
             <a:extLst>
               <a:ext uri="{FF2B5EF4-FFF2-40B4-BE49-F238E27FC236}">
                 <a16:creationId xmlns:a16="http://schemas.microsoft.com/office/drawing/2014/main" id="{237CD868-7CC9-4803-B169-AB61FBA51EFD}"/>
@@ -5337,7 +5429,7 @@
           <p:nvPr/>
         </p:nvPicPr>
         <p:blipFill>
-          <a:blip r:embed="rId6"/>
+          <a:blip r:embed="rId7"/>
           <a:stretch>
             <a:fillRect/>
           </a:stretch>
@@ -5579,7 +5671,7 @@
           <p:nvPr/>
         </p:nvPicPr>
         <p:blipFill>
-          <a:blip r:embed="rId7" cstate="print">
+          <a:blip r:embed="rId8" cstate="print">
             <a:clrChange>
               <a:clrFrom>
                 <a:srgbClr val="FFFFFF"/>
@@ -7495,7 +7587,7 @@
           <p:nvPr/>
         </p:nvPicPr>
         <p:blipFill>
-          <a:blip r:embed="rId8">
+          <a:blip r:embed="rId9">
             <a:extLst>
               <a:ext uri="{28A0092B-C50C-407E-A947-70E740481C1C}">
                 <a14:useLocalDpi xmlns:a14="http://schemas.microsoft.com/office/drawing/2010/main" val="0"/>
@@ -8200,7 +8292,7 @@
             <p:nvPr/>
           </p:nvPicPr>
           <p:blipFill>
-            <a:blip r:embed="rId9" cstate="print">
+            <a:blip r:embed="rId10" cstate="print">
               <a:extLst>
                 <a:ext uri="{28A0092B-C50C-407E-A947-70E740481C1C}">
                   <a14:useLocalDpi xmlns:a14="http://schemas.microsoft.com/office/drawing/2010/main" val="0"/>
@@ -9235,13 +9327,13 @@
           <p:nvPr/>
         </p:nvPicPr>
         <p:blipFill>
-          <a:blip r:embed="rId10">
+          <a:blip r:embed="rId11">
             <a:extLst>
               <a:ext uri="{28A0092B-C50C-407E-A947-70E740481C1C}">
                 <a14:useLocalDpi xmlns:a14="http://schemas.microsoft.com/office/drawing/2010/main" val="0"/>
               </a:ext>
               <a:ext uri="{96DAC541-7B7A-43D3-8B79-37D633B846F1}">
-                <asvg:svgBlip xmlns:asvg="http://schemas.microsoft.com/office/drawing/2016/SVG/main" r:embed="rId11"/>
+                <asvg:svgBlip xmlns:asvg="http://schemas.microsoft.com/office/drawing/2016/SVG/main" r:embed="rId12"/>
               </a:ext>
             </a:extLst>
           </a:blip>
@@ -9274,7 +9366,7 @@
           <p:nvPr/>
         </p:nvPicPr>
         <p:blipFill>
-          <a:blip r:embed="rId12"/>
+          <a:blip r:embed="rId13"/>
           <a:stretch>
             <a:fillRect/>
           </a:stretch>
@@ -9304,7 +9396,7 @@
           <p:nvPr/>
         </p:nvPicPr>
         <p:blipFill>
-          <a:blip r:embed="rId13"/>
+          <a:blip r:embed="rId14"/>
           <a:stretch>
             <a:fillRect/>
           </a:stretch>
@@ -10473,13 +10565,13 @@
           <p:nvPr/>
         </p:nvPicPr>
         <p:blipFill>
-          <a:blip r:embed="rId14">
+          <a:blip r:embed="rId15">
             <a:extLst>
               <a:ext uri="{28A0092B-C50C-407E-A947-70E740481C1C}">
                 <a14:useLocalDpi xmlns:a14="http://schemas.microsoft.com/office/drawing/2010/main" val="0"/>
               </a:ext>
               <a:ext uri="{96DAC541-7B7A-43D3-8B79-37D633B846F1}">
-                <asvg:svgBlip xmlns:asvg="http://schemas.microsoft.com/office/drawing/2016/SVG/main" r:embed="rId15"/>
+                <asvg:svgBlip xmlns:asvg="http://schemas.microsoft.com/office/drawing/2016/SVG/main" r:embed="rId16"/>
               </a:ext>
             </a:extLst>
           </a:blip>
@@ -10512,13 +10604,13 @@
           <p:nvPr/>
         </p:nvPicPr>
         <p:blipFill>
-          <a:blip r:embed="rId16">
+          <a:blip r:embed="rId17">
             <a:extLst>
               <a:ext uri="{28A0092B-C50C-407E-A947-70E740481C1C}">
                 <a14:useLocalDpi xmlns:a14="http://schemas.microsoft.com/office/drawing/2010/main" val="0"/>
               </a:ext>
               <a:ext uri="{96DAC541-7B7A-43D3-8B79-37D633B846F1}">
-                <asvg:svgBlip xmlns:asvg="http://schemas.microsoft.com/office/drawing/2016/SVG/main" r:embed="rId17"/>
+                <asvg:svgBlip xmlns:asvg="http://schemas.microsoft.com/office/drawing/2016/SVG/main" r:embed="rId18"/>
               </a:ext>
             </a:extLst>
           </a:blip>
@@ -10698,13 +10790,13 @@
           <p:nvPr/>
         </p:nvPicPr>
         <p:blipFill>
-          <a:blip r:embed="rId18">
+          <a:blip r:embed="rId19">
             <a:extLst>
               <a:ext uri="{28A0092B-C50C-407E-A947-70E740481C1C}">
                 <a14:useLocalDpi xmlns:a14="http://schemas.microsoft.com/office/drawing/2010/main" val="0"/>
               </a:ext>
               <a:ext uri="{96DAC541-7B7A-43D3-8B79-37D633B846F1}">
-                <asvg:svgBlip xmlns:asvg="http://schemas.microsoft.com/office/drawing/2016/SVG/main" r:embed="rId19"/>
+                <asvg:svgBlip xmlns:asvg="http://schemas.microsoft.com/office/drawing/2016/SVG/main" r:embed="rId20"/>
               </a:ext>
             </a:extLst>
           </a:blip>
@@ -10736,7 +10828,7 @@
           <p:nvPr/>
         </p:nvPicPr>
         <p:blipFill>
-          <a:blip r:embed="rId20">
+          <a:blip r:embed="rId21">
             <a:extLst>
               <a:ext uri="{28A0092B-C50C-407E-A947-70E740481C1C}">
                 <a14:useLocalDpi xmlns:a14="http://schemas.microsoft.com/office/drawing/2010/main" val="0"/>
@@ -10771,7 +10863,7 @@
           <p:nvPr/>
         </p:nvPicPr>
         <p:blipFill>
-          <a:blip r:embed="rId21">
+          <a:blip r:embed="rId22">
             <a:extLst>
               <a:ext uri="{28A0092B-C50C-407E-A947-70E740481C1C}">
                 <a14:useLocalDpi xmlns:a14="http://schemas.microsoft.com/office/drawing/2010/main" val="0"/>
@@ -10806,7 +10898,7 @@
           <p:nvPr/>
         </p:nvPicPr>
         <p:blipFill>
-          <a:blip r:embed="rId22">
+          <a:blip r:embed="rId23">
             <a:extLst>
               <a:ext uri="{28A0092B-C50C-407E-A947-70E740481C1C}">
                 <a14:useLocalDpi xmlns:a14="http://schemas.microsoft.com/office/drawing/2010/main" val="0"/>
@@ -10927,7 +11019,7 @@
           <p:nvPr/>
         </p:nvPicPr>
         <p:blipFill>
-          <a:blip r:embed="rId23">
+          <a:blip r:embed="rId24">
             <a:clrChange>
               <a:clrFrom>
                 <a:srgbClr val="FFFFFF"/>
@@ -10984,7 +11076,7 @@
           <p:nvPr/>
         </p:nvPicPr>
         <p:blipFill>
-          <a:blip r:embed="rId23">
+          <a:blip r:embed="rId24">
             <a:clrChange>
               <a:clrFrom>
                 <a:srgbClr val="FFFFFF"/>
@@ -11041,7 +11133,7 @@
           <p:nvPr/>
         </p:nvPicPr>
         <p:blipFill>
-          <a:blip r:embed="rId23">
+          <a:blip r:embed="rId24">
             <a:clrChange>
               <a:clrFrom>
                 <a:srgbClr val="FFFFFF"/>
@@ -12115,7 +12207,7 @@
             <p:nvPr/>
           </p:nvPicPr>
           <p:blipFill>
-            <a:blip r:embed="rId23">
+            <a:blip r:embed="rId24">
               <a:clrChange>
                 <a:clrFrom>
                   <a:srgbClr val="FFFFFF"/>
@@ -12172,7 +12264,7 @@
             <p:nvPr/>
           </p:nvPicPr>
           <p:blipFill>
-            <a:blip r:embed="rId23">
+            <a:blip r:embed="rId24">
               <a:clrChange>
                 <a:clrFrom>
                   <a:srgbClr val="FFFFFF"/>
@@ -12229,7 +12321,7 @@
             <p:nvPr/>
           </p:nvPicPr>
           <p:blipFill>
-            <a:blip r:embed="rId23">
+            <a:blip r:embed="rId24">
               <a:clrChange>
                 <a:clrFrom>
                   <a:srgbClr val="FFFFFF"/>
@@ -14322,13 +14414,13 @@
           <p:nvPr/>
         </p:nvPicPr>
         <p:blipFill>
-          <a:blip r:embed="rId10">
+          <a:blip r:embed="rId11">
             <a:extLst>
               <a:ext uri="{28A0092B-C50C-407E-A947-70E740481C1C}">
                 <a14:useLocalDpi xmlns:a14="http://schemas.microsoft.com/office/drawing/2010/main" val="0"/>
               </a:ext>
               <a:ext uri="{96DAC541-7B7A-43D3-8B79-37D633B846F1}">
-                <asvg:svgBlip xmlns:asvg="http://schemas.microsoft.com/office/drawing/2016/SVG/main" r:embed="rId11"/>
+                <asvg:svgBlip xmlns:asvg="http://schemas.microsoft.com/office/drawing/2016/SVG/main" r:embed="rId12"/>
               </a:ext>
             </a:extLst>
           </a:blip>
@@ -14543,7 +14635,7 @@
       <p:sp>
         <p:nvSpPr>
           <p:cNvPr id="364" name="TextBox 363">
-            <a:hlinkClick r:id="rId24"/>
+            <a:hlinkClick r:id="rId25"/>
             <a:extLst>
               <a:ext uri="{FF2B5EF4-FFF2-40B4-BE49-F238E27FC236}">
                 <a16:creationId xmlns:a16="http://schemas.microsoft.com/office/drawing/2014/main" id="{86C7619B-31B4-44BD-B6B6-7C1D6A2AD305}"/>
@@ -15846,13 +15938,13 @@
           <p:nvPr/>
         </p:nvPicPr>
         <p:blipFill>
-          <a:blip r:embed="rId25">
+          <a:blip r:embed="rId26">
             <a:extLst>
               <a:ext uri="{28A0092B-C50C-407E-A947-70E740481C1C}">
                 <a14:useLocalDpi xmlns:a14="http://schemas.microsoft.com/office/drawing/2010/main" val="0"/>
               </a:ext>
               <a:ext uri="{96DAC541-7B7A-43D3-8B79-37D633B846F1}">
-                <asvg:svgBlip xmlns:asvg="http://schemas.microsoft.com/office/drawing/2016/SVG/main" r:embed="rId26"/>
+                <asvg:svgBlip xmlns:asvg="http://schemas.microsoft.com/office/drawing/2016/SVG/main" r:embed="rId27"/>
               </a:ext>
             </a:extLst>
           </a:blip>
@@ -15885,13 +15977,13 @@
           <p:nvPr/>
         </p:nvPicPr>
         <p:blipFill>
-          <a:blip r:embed="rId27">
+          <a:blip r:embed="rId28">
             <a:extLst>
               <a:ext uri="{28A0092B-C50C-407E-A947-70E740481C1C}">
                 <a14:useLocalDpi xmlns:a14="http://schemas.microsoft.com/office/drawing/2010/main" val="0"/>
               </a:ext>
               <a:ext uri="{96DAC541-7B7A-43D3-8B79-37D633B846F1}">
-                <asvg:svgBlip xmlns:asvg="http://schemas.microsoft.com/office/drawing/2016/SVG/main" r:embed="rId28"/>
+                <asvg:svgBlip xmlns:asvg="http://schemas.microsoft.com/office/drawing/2016/SVG/main" r:embed="rId29"/>
               </a:ext>
             </a:extLst>
           </a:blip>
@@ -15924,13 +16016,13 @@
           <p:nvPr/>
         </p:nvPicPr>
         <p:blipFill>
-          <a:blip r:embed="rId29">
+          <a:blip r:embed="rId30">
             <a:extLst>
               <a:ext uri="{28A0092B-C50C-407E-A947-70E740481C1C}">
                 <a14:useLocalDpi xmlns:a14="http://schemas.microsoft.com/office/drawing/2010/main" val="0"/>
               </a:ext>
               <a:ext uri="{96DAC541-7B7A-43D3-8B79-37D633B846F1}">
-                <asvg:svgBlip xmlns:asvg="http://schemas.microsoft.com/office/drawing/2016/SVG/main" r:embed="rId30"/>
+                <asvg:svgBlip xmlns:asvg="http://schemas.microsoft.com/office/drawing/2016/SVG/main" r:embed="rId31"/>
               </a:ext>
             </a:extLst>
           </a:blip>
@@ -16321,7 +16413,7 @@
               <p:nvPr/>
             </p:nvPicPr>
             <p:blipFill>
-              <a:blip r:embed="rId8">
+              <a:blip r:embed="rId9">
                 <a:extLst>
                   <a:ext uri="{28A0092B-C50C-407E-A947-70E740481C1C}">
                     <a14:useLocalDpi xmlns:a14="http://schemas.microsoft.com/office/drawing/2010/main" val="0"/>
@@ -16856,13 +16948,13 @@
             <p:nvPr/>
           </p:nvPicPr>
           <p:blipFill>
-            <a:blip r:embed="rId25">
+            <a:blip r:embed="rId26">
               <a:extLst>
                 <a:ext uri="{28A0092B-C50C-407E-A947-70E740481C1C}">
                   <a14:useLocalDpi xmlns:a14="http://schemas.microsoft.com/office/drawing/2010/main" val="0"/>
                 </a:ext>
                 <a:ext uri="{96DAC541-7B7A-43D3-8B79-37D633B846F1}">
-                  <asvg:svgBlip xmlns:asvg="http://schemas.microsoft.com/office/drawing/2016/SVG/main" r:embed="rId26"/>
+                  <asvg:svgBlip xmlns:asvg="http://schemas.microsoft.com/office/drawing/2016/SVG/main" r:embed="rId27"/>
                 </a:ext>
               </a:extLst>
             </a:blip>
@@ -16916,7 +17008,7 @@
             <p:nvPr/>
           </p:nvPicPr>
           <p:blipFill>
-            <a:blip r:embed="rId8">
+            <a:blip r:embed="rId9">
               <a:extLst>
                 <a:ext uri="{28A0092B-C50C-407E-A947-70E740481C1C}">
                   <a14:useLocalDpi xmlns:a14="http://schemas.microsoft.com/office/drawing/2010/main" val="0"/>
@@ -18026,7 +18118,7 @@
               <a:rPr lang="en-US">
                 <a:latin typeface="Segoe UI Light" pitchFamily="34" charset="0"/>
               </a:rPr>
-              <a:t>Azure AD</a:t>
+              <a:t>Azure  AD</a:t>
             </a:r>
             <a:endParaRPr lang="en-US" dirty="0">
               <a:latin typeface="Segoe UI Light" pitchFamily="34" charset="0"/>

--- a/microsoft-365/enterprise/media/empower-people-to-work-remotely/Empower-Remote-Workers-Poster.pptx
+++ b/microsoft-365/enterprise/media/empower-people-to-work-remotely/Empower-Remote-Workers-Poster.pptx
@@ -214,7 +214,7 @@
           <a:p>
             <a:fld id="{F6718B09-A5BF-4500-B7D0-AD2FFA08E103}" type="datetimeFigureOut">
               <a:rPr lang="en-US" smtClean="0"/>
-              <a:t>11/15/2019</a:t>
+              <a:t>12/17/2019</a:t>
             </a:fld>
             <a:endParaRPr lang="en-US" dirty="0"/>
           </a:p>
@@ -702,7 +702,7 @@
           <a:p>
             <a:fld id="{B12B58C5-0F7F-4864-91DB-0DCB63F031BB}" type="datetimeFigureOut">
               <a:rPr lang="en-US" smtClean="0"/>
-              <a:t>11/15/2019</a:t>
+              <a:t>12/17/2019</a:t>
             </a:fld>
             <a:endParaRPr lang="en-US" dirty="0"/>
           </a:p>
@@ -870,7 +870,7 @@
           <a:p>
             <a:fld id="{B12B58C5-0F7F-4864-91DB-0DCB63F031BB}" type="datetimeFigureOut">
               <a:rPr lang="en-US" smtClean="0"/>
-              <a:t>11/15/2019</a:t>
+              <a:t>12/17/2019</a:t>
             </a:fld>
             <a:endParaRPr lang="en-US" dirty="0"/>
           </a:p>
@@ -1048,7 +1048,7 @@
           <a:p>
             <a:fld id="{B12B58C5-0F7F-4864-91DB-0DCB63F031BB}" type="datetimeFigureOut">
               <a:rPr lang="en-US" smtClean="0"/>
-              <a:t>11/15/2019</a:t>
+              <a:t>12/17/2019</a:t>
             </a:fld>
             <a:endParaRPr lang="en-US" dirty="0"/>
           </a:p>
@@ -1216,7 +1216,7 @@
           <a:p>
             <a:fld id="{B12B58C5-0F7F-4864-91DB-0DCB63F031BB}" type="datetimeFigureOut">
               <a:rPr lang="en-US" smtClean="0"/>
-              <a:t>11/15/2019</a:t>
+              <a:t>12/17/2019</a:t>
             </a:fld>
             <a:endParaRPr lang="en-US" dirty="0"/>
           </a:p>
@@ -1459,7 +1459,7 @@
           <a:p>
             <a:fld id="{B12B58C5-0F7F-4864-91DB-0DCB63F031BB}" type="datetimeFigureOut">
               <a:rPr lang="en-US" smtClean="0"/>
-              <a:t>11/15/2019</a:t>
+              <a:t>12/17/2019</a:t>
             </a:fld>
             <a:endParaRPr lang="en-US" dirty="0"/>
           </a:p>
@@ -1688,7 +1688,7 @@
           <a:p>
             <a:fld id="{B12B58C5-0F7F-4864-91DB-0DCB63F031BB}" type="datetimeFigureOut">
               <a:rPr lang="en-US" smtClean="0"/>
-              <a:t>11/15/2019</a:t>
+              <a:t>12/17/2019</a:t>
             </a:fld>
             <a:endParaRPr lang="en-US" dirty="0"/>
           </a:p>
@@ -2052,7 +2052,7 @@
           <a:p>
             <a:fld id="{B12B58C5-0F7F-4864-91DB-0DCB63F031BB}" type="datetimeFigureOut">
               <a:rPr lang="en-US" smtClean="0"/>
-              <a:t>11/15/2019</a:t>
+              <a:t>12/17/2019</a:t>
             </a:fld>
             <a:endParaRPr lang="en-US" dirty="0"/>
           </a:p>
@@ -2169,7 +2169,7 @@
           <a:p>
             <a:fld id="{B12B58C5-0F7F-4864-91DB-0DCB63F031BB}" type="datetimeFigureOut">
               <a:rPr lang="en-US" smtClean="0"/>
-              <a:t>11/15/2019</a:t>
+              <a:t>12/17/2019</a:t>
             </a:fld>
             <a:endParaRPr lang="en-US" dirty="0"/>
           </a:p>
@@ -2264,7 +2264,7 @@
           <a:p>
             <a:fld id="{B12B58C5-0F7F-4864-91DB-0DCB63F031BB}" type="datetimeFigureOut">
               <a:rPr lang="en-US" smtClean="0"/>
-              <a:t>11/15/2019</a:t>
+              <a:t>12/17/2019</a:t>
             </a:fld>
             <a:endParaRPr lang="en-US" dirty="0"/>
           </a:p>
@@ -2539,7 +2539,7 @@
           <a:p>
             <a:fld id="{B12B58C5-0F7F-4864-91DB-0DCB63F031BB}" type="datetimeFigureOut">
               <a:rPr lang="en-US" smtClean="0"/>
-              <a:t>11/15/2019</a:t>
+              <a:t>12/17/2019</a:t>
             </a:fld>
             <a:endParaRPr lang="en-US" dirty="0"/>
           </a:p>
@@ -2794,7 +2794,7 @@
           <a:p>
             <a:fld id="{B12B58C5-0F7F-4864-91DB-0DCB63F031BB}" type="datetimeFigureOut">
               <a:rPr lang="en-US" smtClean="0"/>
-              <a:t>11/15/2019</a:t>
+              <a:t>12/17/2019</a:t>
             </a:fld>
             <a:endParaRPr lang="en-US" dirty="0"/>
           </a:p>
@@ -3005,7 +3005,7 @@
           <a:p>
             <a:fld id="{B12B58C5-0F7F-4864-91DB-0DCB63F031BB}" type="datetimeFigureOut">
               <a:rPr lang="en-US" smtClean="0"/>
-              <a:t>11/15/2019</a:t>
+              <a:t>12/17/2019</a:t>
             </a:fld>
             <a:endParaRPr lang="en-US" dirty="0"/>
           </a:p>
@@ -3555,8 +3555,25 @@
                 <a:latin typeface="Segoe Pro Semibold" panose="020B0502040504020203"/>
                 <a:cs typeface="Segoe UI" panose="020B0502040204020203" pitchFamily="34" charset="0"/>
               </a:rPr>
-              <a:t>Empower remote workers with Microsoft 365 Enterprise</a:t>
+              <a:t>Empower remote workers with Microsoft </a:t>
             </a:r>
+            <a:r>
+              <a:rPr lang="en-US" sz="2500" b="1">
+                <a:solidFill>
+                  <a:schemeClr val="bg1"/>
+                </a:solidFill>
+                <a:latin typeface="Segoe Pro Semibold" panose="020B0502040504020203"/>
+                <a:cs typeface="Segoe UI" panose="020B0502040204020203" pitchFamily="34" charset="0"/>
+              </a:rPr>
+              <a:t>365 for enterprise</a:t>
+            </a:r>
+            <a:endParaRPr lang="en-US" sz="2500" b="1" dirty="0">
+              <a:solidFill>
+                <a:schemeClr val="bg1"/>
+              </a:solidFill>
+              <a:latin typeface="Segoe Pro Semibold" panose="020B0502040504020203"/>
+              <a:cs typeface="Segoe UI" panose="020B0502040204020203" pitchFamily="34" charset="0"/>
+            </a:endParaRPr>
           </a:p>
         </p:txBody>
       </p:sp>
@@ -3760,7 +3777,21 @@
                 <a:latin typeface="Segoe UI" panose="020B0502040204020203" pitchFamily="34" charset="0"/>
                 <a:cs typeface="Segoe UI" panose="020B0502040204020203" pitchFamily="34" charset="0"/>
               </a:rPr>
-              <a:t>A combination of features in Microsoft 365 Enterprise enables your workers to work from anywhere and at any time in a highly collaborative, productive, and secure way.</a:t>
+              <a:t>A combination of features in Microsoft </a:t>
+            </a:r>
+            <a:r>
+              <a:rPr lang="en-US" sz="1400">
+                <a:latin typeface="Segoe UI" panose="020B0502040204020203" pitchFamily="34" charset="0"/>
+                <a:cs typeface="Segoe UI" panose="020B0502040204020203" pitchFamily="34" charset="0"/>
+              </a:rPr>
+              <a:t>365 for enterprise </a:t>
+            </a:r>
+            <a:r>
+              <a:rPr lang="en-US" sz="1400" dirty="0">
+                <a:latin typeface="Segoe UI" panose="020B0502040204020203" pitchFamily="34" charset="0"/>
+                <a:cs typeface="Segoe UI" panose="020B0502040204020203" pitchFamily="34" charset="0"/>
+              </a:rPr>
+              <a:t>enables your workers to work from anywhere and at any time in a highly collaborative, productive, and secure way.</a:t>
             </a:r>
           </a:p>
         </p:txBody>
